--- a/ Development environment improvement/icons.pptx
+++ b/ Development environment improvement/icons.pptx
@@ -6,6 +6,9 @@
   </p:sldMasterIdLst>
   <p:sldIdLst>
     <p:sldId id="256" r:id="rId2"/>
+    <p:sldId id="257" r:id="rId3"/>
+    <p:sldId id="259" r:id="rId4"/>
+    <p:sldId id="260" r:id="rId5"/>
   </p:sldIdLst>
   <p:sldSz cx="12192000" cy="6858000"/>
   <p:notesSz cx="6858000" cy="9144000"/>
@@ -3602,7 +3605,8 @@
             <a:solidFill>
               <a:schemeClr val="tx1"/>
             </a:solidFill>
-            <a:tailEnd type="triangle"/>
+            <a:headEnd type="triangle" w="med" len="med"/>
+            <a:tailEnd type="triangle" w="med" len="med"/>
           </a:ln>
         </p:spPr>
         <p:style>
@@ -3628,7 +3632,7 @@
         </p:nvSpPr>
         <p:spPr>
           <a:xfrm>
-            <a:off x="2587206" y="4415312"/>
+            <a:off x="2096315" y="724951"/>
             <a:ext cx="1632720" cy="369332"/>
           </a:xfrm>
           <a:prstGeom prst="rect">
@@ -3658,7 +3662,7 @@
         </p:nvSpPr>
         <p:spPr>
           <a:xfrm>
-            <a:off x="5781669" y="4255529"/>
+            <a:off x="5707574" y="917169"/>
             <a:ext cx="1632720" cy="369332"/>
           </a:xfrm>
           <a:prstGeom prst="rect">
@@ -3781,6 +3785,2388 @@
   <p:clrMapOvr>
     <a:masterClrMapping/>
   </p:clrMapOvr>
+  <p:timing>
+    <p:tnLst>
+      <p:par>
+        <p:cTn id="1" dur="indefinite" restart="never" nodeType="tmRoot"/>
+      </p:par>
+    </p:tnLst>
+  </p:timing>
+</p:sld>
+</file>
+
+<file path=ppt/slides/slide2.xml><?xml version="1.0" encoding="utf-8"?>
+<p:sld xmlns:a="http://schemas.openxmlformats.org/drawingml/2006/main" xmlns:r="http://schemas.openxmlformats.org/officeDocument/2006/relationships" xmlns:p="http://schemas.openxmlformats.org/presentationml/2006/main">
+  <p:cSld>
+    <p:spTree>
+      <p:nvGrpSpPr>
+        <p:cNvPr id="1" name=""/>
+        <p:cNvGrpSpPr/>
+        <p:nvPr/>
+      </p:nvGrpSpPr>
+      <p:grpSpPr>
+        <a:xfrm>
+          <a:off x="0" y="0"/>
+          <a:ext cx="0" cy="0"/>
+          <a:chOff x="0" y="0"/>
+          <a:chExt cx="0" cy="0"/>
+        </a:xfrm>
+      </p:grpSpPr>
+      <p:sp>
+        <p:nvSpPr>
+          <p:cNvPr id="39" name="구름 38"/>
+          <p:cNvSpPr/>
+          <p:nvPr/>
+        </p:nvSpPr>
+        <p:spPr>
+          <a:xfrm>
+            <a:off x="631484" y="1013977"/>
+            <a:ext cx="4517165" cy="4121549"/>
+          </a:xfrm>
+          <a:prstGeom prst="cloud">
+            <a:avLst/>
+          </a:prstGeom>
+          <a:noFill/>
+          <a:ln>
+            <a:solidFill>
+              <a:schemeClr val="tx1"/>
+            </a:solidFill>
+          </a:ln>
+        </p:spPr>
+        <p:style>
+          <a:lnRef idx="2">
+            <a:schemeClr val="accent1">
+              <a:shade val="50000"/>
+            </a:schemeClr>
+          </a:lnRef>
+          <a:fillRef idx="1">
+            <a:schemeClr val="accent1"/>
+          </a:fillRef>
+          <a:effectRef idx="0">
+            <a:schemeClr val="accent1"/>
+          </a:effectRef>
+          <a:fontRef idx="minor">
+            <a:schemeClr val="lt1"/>
+          </a:fontRef>
+        </p:style>
+        <p:txBody>
+          <a:bodyPr rtlCol="0" anchor="ctr"/>
+          <a:lstStyle/>
+          <a:p>
+            <a:pPr algn="ctr"/>
+            <a:endParaRPr lang="ko-KR" altLang="en-US"/>
+          </a:p>
+        </p:txBody>
+      </p:sp>
+      <p:sp>
+        <p:nvSpPr>
+          <p:cNvPr id="59" name="직사각형 58"/>
+          <p:cNvSpPr/>
+          <p:nvPr/>
+        </p:nvSpPr>
+        <p:spPr>
+          <a:xfrm>
+            <a:off x="5646943" y="1302379"/>
+            <a:ext cx="1902173" cy="2958931"/>
+          </a:xfrm>
+          <a:prstGeom prst="rect">
+            <a:avLst/>
+          </a:prstGeom>
+          <a:noFill/>
+          <a:ln>
+            <a:solidFill>
+              <a:schemeClr val="tx1"/>
+            </a:solidFill>
+          </a:ln>
+        </p:spPr>
+        <p:style>
+          <a:lnRef idx="2">
+            <a:schemeClr val="accent1">
+              <a:shade val="50000"/>
+            </a:schemeClr>
+          </a:lnRef>
+          <a:fillRef idx="1">
+            <a:schemeClr val="accent1"/>
+          </a:fillRef>
+          <a:effectRef idx="0">
+            <a:schemeClr val="accent1"/>
+          </a:effectRef>
+          <a:fontRef idx="minor">
+            <a:schemeClr val="lt1"/>
+          </a:fontRef>
+        </p:style>
+        <p:txBody>
+          <a:bodyPr rtlCol="0" anchor="ctr"/>
+          <a:lstStyle/>
+          <a:p>
+            <a:pPr algn="ctr"/>
+            <a:endParaRPr lang="ko-KR" altLang="en-US"/>
+          </a:p>
+        </p:txBody>
+      </p:sp>
+      <p:sp>
+        <p:nvSpPr>
+          <p:cNvPr id="33" name="모서리가 둥근 직사각형 32"/>
+          <p:cNvSpPr/>
+          <p:nvPr/>
+        </p:nvSpPr>
+        <p:spPr>
+          <a:xfrm>
+            <a:off x="2912675" y="1817897"/>
+            <a:ext cx="1729945" cy="1488958"/>
+          </a:xfrm>
+          <a:prstGeom prst="roundRect">
+            <a:avLst/>
+          </a:prstGeom>
+          <a:solidFill>
+            <a:schemeClr val="bg1"/>
+          </a:solidFill>
+          <a:ln>
+            <a:solidFill>
+              <a:schemeClr val="tx1"/>
+            </a:solidFill>
+          </a:ln>
+        </p:spPr>
+        <p:style>
+          <a:lnRef idx="2">
+            <a:schemeClr val="accent1">
+              <a:shade val="50000"/>
+            </a:schemeClr>
+          </a:lnRef>
+          <a:fillRef idx="1">
+            <a:schemeClr val="accent1"/>
+          </a:fillRef>
+          <a:effectRef idx="0">
+            <a:schemeClr val="accent1"/>
+          </a:effectRef>
+          <a:fontRef idx="minor">
+            <a:schemeClr val="lt1"/>
+          </a:fontRef>
+        </p:style>
+        <p:txBody>
+          <a:bodyPr rtlCol="0" anchor="ctr"/>
+          <a:lstStyle/>
+          <a:p>
+            <a:pPr algn="ctr"/>
+            <a:endParaRPr lang="ko-KR" altLang="en-US"/>
+          </a:p>
+        </p:txBody>
+      </p:sp>
+      <p:cxnSp>
+        <p:nvCxnSpPr>
+          <p:cNvPr id="13" name="직선 화살표 연결선 12"/>
+          <p:cNvCxnSpPr/>
+          <p:nvPr/>
+        </p:nvCxnSpPr>
+        <p:spPr>
+          <a:xfrm>
+            <a:off x="3479893" y="2094898"/>
+            <a:ext cx="1" cy="511241"/>
+          </a:xfrm>
+          <a:prstGeom prst="straightConnector1">
+            <a:avLst/>
+          </a:prstGeom>
+          <a:ln w="28575">
+            <a:solidFill>
+              <a:schemeClr val="tx1"/>
+            </a:solidFill>
+            <a:tailEnd type="triangle"/>
+          </a:ln>
+        </p:spPr>
+        <p:style>
+          <a:lnRef idx="1">
+            <a:schemeClr val="accent1"/>
+          </a:lnRef>
+          <a:fillRef idx="0">
+            <a:schemeClr val="accent1"/>
+          </a:fillRef>
+          <a:effectRef idx="0">
+            <a:schemeClr val="accent1"/>
+          </a:effectRef>
+          <a:fontRef idx="minor">
+            <a:schemeClr val="tx1"/>
+          </a:fontRef>
+        </p:style>
+      </p:cxnSp>
+      <p:cxnSp>
+        <p:nvCxnSpPr>
+          <p:cNvPr id="15" name="직선 화살표 연결선 14"/>
+          <p:cNvCxnSpPr/>
+          <p:nvPr/>
+        </p:nvCxnSpPr>
+        <p:spPr>
+          <a:xfrm>
+            <a:off x="1987917" y="2693924"/>
+            <a:ext cx="1324335" cy="138500"/>
+          </a:xfrm>
+          <a:prstGeom prst="straightConnector1">
+            <a:avLst/>
+          </a:prstGeom>
+          <a:ln w="28575">
+            <a:solidFill>
+              <a:schemeClr val="tx1"/>
+            </a:solidFill>
+            <a:headEnd type="triangle" w="med" len="med"/>
+            <a:tailEnd type="triangle" w="med" len="med"/>
+          </a:ln>
+        </p:spPr>
+        <p:style>
+          <a:lnRef idx="1">
+            <a:schemeClr val="accent1"/>
+          </a:lnRef>
+          <a:fillRef idx="0">
+            <a:schemeClr val="accent1"/>
+          </a:fillRef>
+          <a:effectRef idx="0">
+            <a:schemeClr val="accent1"/>
+          </a:effectRef>
+          <a:fontRef idx="minor">
+            <a:schemeClr val="tx1"/>
+          </a:fontRef>
+        </p:style>
+      </p:cxnSp>
+      <p:cxnSp>
+        <p:nvCxnSpPr>
+          <p:cNvPr id="19" name="직선 화살표 연결선 18"/>
+          <p:cNvCxnSpPr>
+            <a:stCxn id="43" idx="0"/>
+            <a:endCxn id="44" idx="2"/>
+          </p:cNvCxnSpPr>
+          <p:nvPr/>
+        </p:nvCxnSpPr>
+        <p:spPr>
+          <a:xfrm flipV="1">
+            <a:off x="6523934" y="2386148"/>
+            <a:ext cx="0" cy="773244"/>
+          </a:xfrm>
+          <a:prstGeom prst="straightConnector1">
+            <a:avLst/>
+          </a:prstGeom>
+          <a:ln w="28575">
+            <a:solidFill>
+              <a:schemeClr val="tx1"/>
+            </a:solidFill>
+            <a:tailEnd type="triangle"/>
+          </a:ln>
+        </p:spPr>
+        <p:style>
+          <a:lnRef idx="1">
+            <a:schemeClr val="accent1"/>
+          </a:lnRef>
+          <a:fillRef idx="0">
+            <a:schemeClr val="accent1"/>
+          </a:fillRef>
+          <a:effectRef idx="0">
+            <a:schemeClr val="accent1"/>
+          </a:effectRef>
+          <a:fontRef idx="minor">
+            <a:schemeClr val="tx1"/>
+          </a:fontRef>
+        </p:style>
+      </p:cxnSp>
+      <p:sp>
+        <p:nvSpPr>
+          <p:cNvPr id="20" name="TextBox 19"/>
+          <p:cNvSpPr txBox="1"/>
+          <p:nvPr/>
+        </p:nvSpPr>
+        <p:spPr>
+          <a:xfrm>
+            <a:off x="3251481" y="3029856"/>
+            <a:ext cx="574196" cy="276999"/>
+          </a:xfrm>
+          <a:prstGeom prst="rect">
+            <a:avLst/>
+          </a:prstGeom>
+          <a:noFill/>
+        </p:spPr>
+        <p:txBody>
+          <a:bodyPr wrap="none" rtlCol="0">
+            <a:spAutoFit/>
+          </a:bodyPr>
+          <a:lstStyle/>
+          <a:p>
+            <a:r>
+              <a:rPr lang="en-US" altLang="ko-KR" sz="1200" dirty="0" smtClean="0"/>
+              <a:t>WSL2</a:t>
+            </a:r>
+            <a:endParaRPr lang="ko-KR" altLang="en-US" sz="1200"/>
+          </a:p>
+        </p:txBody>
+      </p:sp>
+      <p:grpSp>
+        <p:nvGrpSpPr>
+          <p:cNvPr id="37" name="그룹 36"/>
+          <p:cNvGrpSpPr/>
+          <p:nvPr/>
+        </p:nvGrpSpPr>
+        <p:grpSpPr>
+          <a:xfrm>
+            <a:off x="3134755" y="1302379"/>
+            <a:ext cx="1113746" cy="1038714"/>
+            <a:chOff x="2734621" y="1764617"/>
+            <a:chExt cx="1113746" cy="1038714"/>
+          </a:xfrm>
+        </p:grpSpPr>
+        <p:pic>
+          <p:nvPicPr>
+            <p:cNvPr id="8" name="그림 7"/>
+            <p:cNvPicPr>
+              <a:picLocks noChangeAspect="1"/>
+            </p:cNvPicPr>
+            <p:nvPr/>
+          </p:nvPicPr>
+          <p:blipFill>
+            <a:blip r:embed="rId2" cstate="print">
+              <a:extLst>
+                <a:ext uri="{28A0092B-C50C-407E-A947-70E740481C1C}">
+                  <a14:useLocalDpi xmlns:a14="http://schemas.microsoft.com/office/drawing/2010/main" val="0"/>
+                </a:ext>
+              </a:extLst>
+            </a:blip>
+            <a:stretch>
+              <a:fillRect/>
+            </a:stretch>
+          </p:blipFill>
+          <p:spPr>
+            <a:xfrm>
+              <a:off x="2734621" y="1764617"/>
+              <a:ext cx="792519" cy="792519"/>
+            </a:xfrm>
+            <a:prstGeom prst="rect">
+              <a:avLst/>
+            </a:prstGeom>
+          </p:spPr>
+        </p:pic>
+        <p:sp>
+          <p:nvSpPr>
+            <p:cNvPr id="21" name="TextBox 20"/>
+            <p:cNvSpPr txBox="1"/>
+            <p:nvPr/>
+          </p:nvSpPr>
+          <p:spPr>
+            <a:xfrm>
+              <a:off x="3079759" y="2526332"/>
+              <a:ext cx="768608" cy="276999"/>
+            </a:xfrm>
+            <a:prstGeom prst="rect">
+              <a:avLst/>
+            </a:prstGeom>
+            <a:noFill/>
+          </p:spPr>
+          <p:txBody>
+            <a:bodyPr wrap="none" rtlCol="0">
+              <a:spAutoFit/>
+            </a:bodyPr>
+            <a:lstStyle/>
+            <a:p>
+              <a:r>
+                <a:rPr lang="en-US" altLang="ko-KR" sz="1200" dirty="0" smtClean="0"/>
+                <a:t>VSCODE</a:t>
+              </a:r>
+              <a:endParaRPr lang="ko-KR" altLang="en-US" sz="1200"/>
+            </a:p>
+          </p:txBody>
+        </p:sp>
+      </p:grpSp>
+      <p:sp>
+        <p:nvSpPr>
+          <p:cNvPr id="35" name="TextBox 34"/>
+          <p:cNvSpPr txBox="1"/>
+          <p:nvPr/>
+        </p:nvSpPr>
+        <p:spPr>
+          <a:xfrm>
+            <a:off x="3720833" y="1552851"/>
+            <a:ext cx="898323" cy="276999"/>
+          </a:xfrm>
+          <a:prstGeom prst="rect">
+            <a:avLst/>
+          </a:prstGeom>
+          <a:noFill/>
+        </p:spPr>
+        <p:txBody>
+          <a:bodyPr wrap="none" rtlCol="0">
+            <a:spAutoFit/>
+          </a:bodyPr>
+          <a:lstStyle/>
+          <a:p>
+            <a:r>
+              <a:rPr lang="en-US" altLang="ko-KR" sz="1200" dirty="0" smtClean="0"/>
+              <a:t>My laptop</a:t>
+            </a:r>
+            <a:endParaRPr lang="ko-KR" altLang="en-US" sz="1200"/>
+          </a:p>
+        </p:txBody>
+      </p:sp>
+      <p:pic>
+        <p:nvPicPr>
+          <p:cNvPr id="42" name="그림 41"/>
+          <p:cNvPicPr>
+            <a:picLocks noChangeAspect="1"/>
+          </p:cNvPicPr>
+          <p:nvPr/>
+        </p:nvPicPr>
+        <p:blipFill>
+          <a:blip r:embed="rId3" cstate="print">
+            <a:extLst>
+              <a:ext uri="{28A0092B-C50C-407E-A947-70E740481C1C}">
+                <a14:useLocalDpi xmlns:a14="http://schemas.microsoft.com/office/drawing/2010/main" val="0"/>
+              </a:ext>
+            </a:extLst>
+          </a:blip>
+          <a:stretch>
+            <a:fillRect/>
+          </a:stretch>
+        </p:blipFill>
+        <p:spPr>
+          <a:xfrm>
+            <a:off x="3312252" y="2613663"/>
+            <a:ext cx="437523" cy="437523"/>
+          </a:xfrm>
+          <a:prstGeom prst="rect">
+            <a:avLst/>
+          </a:prstGeom>
+        </p:spPr>
+      </p:pic>
+      <p:sp>
+        <p:nvSpPr>
+          <p:cNvPr id="22" name="TextBox 21"/>
+          <p:cNvSpPr txBox="1"/>
+          <p:nvPr/>
+        </p:nvSpPr>
+        <p:spPr>
+          <a:xfrm>
+            <a:off x="5663602" y="3760454"/>
+            <a:ext cx="1720664" cy="276999"/>
+          </a:xfrm>
+          <a:prstGeom prst="rect">
+            <a:avLst/>
+          </a:prstGeom>
+          <a:noFill/>
+        </p:spPr>
+        <p:txBody>
+          <a:bodyPr wrap="none" rtlCol="0">
+            <a:spAutoFit/>
+          </a:bodyPr>
+          <a:lstStyle/>
+          <a:p>
+            <a:r>
+              <a:rPr lang="en-US" altLang="ko-KR" sz="1200" dirty="0" smtClean="0"/>
+              <a:t>Source &amp; build server</a:t>
+            </a:r>
+            <a:endParaRPr lang="ko-KR" altLang="en-US" sz="1200"/>
+          </a:p>
+        </p:txBody>
+      </p:sp>
+      <p:pic>
+        <p:nvPicPr>
+          <p:cNvPr id="43" name="그림 42"/>
+          <p:cNvPicPr>
+            <a:picLocks noChangeAspect="1"/>
+          </p:cNvPicPr>
+          <p:nvPr/>
+        </p:nvPicPr>
+        <p:blipFill>
+          <a:blip r:embed="rId4" cstate="print">
+            <a:extLst>
+              <a:ext uri="{28A0092B-C50C-407E-A947-70E740481C1C}">
+                <a14:useLocalDpi xmlns:a14="http://schemas.microsoft.com/office/drawing/2010/main" val="0"/>
+              </a:ext>
+            </a:extLst>
+          </a:blip>
+          <a:stretch>
+            <a:fillRect/>
+          </a:stretch>
+        </p:blipFill>
+        <p:spPr>
+          <a:xfrm>
+            <a:off x="6225354" y="3159392"/>
+            <a:ext cx="597160" cy="597160"/>
+          </a:xfrm>
+          <a:prstGeom prst="rect">
+            <a:avLst/>
+          </a:prstGeom>
+        </p:spPr>
+      </p:pic>
+      <p:sp>
+        <p:nvSpPr>
+          <p:cNvPr id="23" name="TextBox 22"/>
+          <p:cNvSpPr txBox="1"/>
+          <p:nvPr/>
+        </p:nvSpPr>
+        <p:spPr>
+          <a:xfrm>
+            <a:off x="6060602" y="1552851"/>
+            <a:ext cx="926664" cy="276999"/>
+          </a:xfrm>
+          <a:prstGeom prst="rect">
+            <a:avLst/>
+          </a:prstGeom>
+          <a:noFill/>
+        </p:spPr>
+        <p:txBody>
+          <a:bodyPr wrap="none" rtlCol="0">
+            <a:spAutoFit/>
+          </a:bodyPr>
+          <a:lstStyle/>
+          <a:p>
+            <a:r>
+              <a:rPr lang="en-US" altLang="ko-KR" sz="1200" dirty="0" smtClean="0"/>
+              <a:t>Test server</a:t>
+            </a:r>
+            <a:endParaRPr lang="ko-KR" altLang="en-US" sz="1200"/>
+          </a:p>
+        </p:txBody>
+      </p:sp>
+      <p:pic>
+        <p:nvPicPr>
+          <p:cNvPr id="44" name="그림 43"/>
+          <p:cNvPicPr>
+            <a:picLocks noChangeAspect="1"/>
+          </p:cNvPicPr>
+          <p:nvPr/>
+        </p:nvPicPr>
+        <p:blipFill>
+          <a:blip r:embed="rId4" cstate="print">
+            <a:extLst>
+              <a:ext uri="{28A0092B-C50C-407E-A947-70E740481C1C}">
+                <a14:useLocalDpi xmlns:a14="http://schemas.microsoft.com/office/drawing/2010/main" val="0"/>
+              </a:ext>
+            </a:extLst>
+          </a:blip>
+          <a:stretch>
+            <a:fillRect/>
+          </a:stretch>
+        </p:blipFill>
+        <p:spPr>
+          <a:xfrm>
+            <a:off x="6225354" y="1788988"/>
+            <a:ext cx="597160" cy="597160"/>
+          </a:xfrm>
+          <a:prstGeom prst="rect">
+            <a:avLst/>
+          </a:prstGeom>
+        </p:spPr>
+      </p:pic>
+      <p:grpSp>
+        <p:nvGrpSpPr>
+          <p:cNvPr id="51" name="그룹 50"/>
+          <p:cNvGrpSpPr/>
+          <p:nvPr/>
+        </p:nvGrpSpPr>
+        <p:grpSpPr>
+          <a:xfrm>
+            <a:off x="1146692" y="2170792"/>
+            <a:ext cx="1046265" cy="1323264"/>
+            <a:chOff x="1058668" y="1960203"/>
+            <a:chExt cx="1046265" cy="1323264"/>
+          </a:xfrm>
+        </p:grpSpPr>
+        <p:pic>
+          <p:nvPicPr>
+            <p:cNvPr id="46" name="그림 45"/>
+            <p:cNvPicPr>
+              <a:picLocks noChangeAspect="1"/>
+            </p:cNvPicPr>
+            <p:nvPr/>
+          </p:nvPicPr>
+          <p:blipFill>
+            <a:blip r:embed="rId5" cstate="print">
+              <a:extLst>
+                <a:ext uri="{28A0092B-C50C-407E-A947-70E740481C1C}">
+                  <a14:useLocalDpi xmlns:a14="http://schemas.microsoft.com/office/drawing/2010/main" val="0"/>
+                </a:ext>
+              </a:extLst>
+            </a:blip>
+            <a:stretch>
+              <a:fillRect/>
+            </a:stretch>
+          </p:blipFill>
+          <p:spPr>
+            <a:xfrm>
+              <a:off x="1058668" y="1960203"/>
+              <a:ext cx="1046265" cy="1046265"/>
+            </a:xfrm>
+            <a:prstGeom prst="rect">
+              <a:avLst/>
+            </a:prstGeom>
+          </p:spPr>
+        </p:pic>
+        <p:sp>
+          <p:nvSpPr>
+            <p:cNvPr id="49" name="TextBox 48"/>
+            <p:cNvSpPr txBox="1"/>
+            <p:nvPr/>
+          </p:nvSpPr>
+          <p:spPr>
+            <a:xfrm>
+              <a:off x="1210544" y="3006468"/>
+              <a:ext cx="742511" cy="276999"/>
+            </a:xfrm>
+            <a:prstGeom prst="rect">
+              <a:avLst/>
+            </a:prstGeom>
+            <a:noFill/>
+          </p:spPr>
+          <p:txBody>
+            <a:bodyPr wrap="none" rtlCol="0">
+              <a:spAutoFit/>
+            </a:bodyPr>
+            <a:lstStyle/>
+            <a:p>
+              <a:r>
+                <a:rPr lang="en-US" altLang="ko-KR" sz="1200" dirty="0" smtClean="0"/>
+                <a:t>GITHUB</a:t>
+              </a:r>
+              <a:endParaRPr lang="ko-KR" altLang="en-US" sz="1200"/>
+            </a:p>
+          </p:txBody>
+        </p:sp>
+      </p:grpSp>
+      <p:sp>
+        <p:nvSpPr>
+          <p:cNvPr id="66" name="TextBox 65"/>
+          <p:cNvSpPr txBox="1"/>
+          <p:nvPr/>
+        </p:nvSpPr>
+        <p:spPr>
+          <a:xfrm>
+            <a:off x="2096315" y="724951"/>
+            <a:ext cx="1632720" cy="369332"/>
+          </a:xfrm>
+          <a:prstGeom prst="rect">
+            <a:avLst/>
+          </a:prstGeom>
+          <a:noFill/>
+        </p:spPr>
+        <p:txBody>
+          <a:bodyPr wrap="square" rtlCol="0">
+            <a:spAutoFit/>
+          </a:bodyPr>
+          <a:lstStyle/>
+          <a:p>
+            <a:r>
+              <a:rPr lang="en-US" altLang="ko-KR" dirty="0" smtClean="0"/>
+              <a:t>Internet</a:t>
+            </a:r>
+            <a:endParaRPr lang="ko-KR" altLang="en-US"/>
+          </a:p>
+        </p:txBody>
+      </p:sp>
+      <p:sp>
+        <p:nvSpPr>
+          <p:cNvPr id="67" name="TextBox 66"/>
+          <p:cNvSpPr txBox="1"/>
+          <p:nvPr/>
+        </p:nvSpPr>
+        <p:spPr>
+          <a:xfrm>
+            <a:off x="5707574" y="917169"/>
+            <a:ext cx="1632720" cy="369332"/>
+          </a:xfrm>
+          <a:prstGeom prst="rect">
+            <a:avLst/>
+          </a:prstGeom>
+          <a:noFill/>
+        </p:spPr>
+        <p:txBody>
+          <a:bodyPr wrap="square" rtlCol="0">
+            <a:spAutoFit/>
+          </a:bodyPr>
+          <a:lstStyle/>
+          <a:p>
+            <a:pPr algn="ctr"/>
+            <a:r>
+              <a:rPr lang="en-US" altLang="ko-KR" dirty="0" smtClean="0"/>
+              <a:t>Intranet</a:t>
+            </a:r>
+            <a:endParaRPr lang="ko-KR" altLang="en-US"/>
+          </a:p>
+        </p:txBody>
+      </p:sp>
+      <p:pic>
+        <p:nvPicPr>
+          <p:cNvPr id="2" name="그림 1"/>
+          <p:cNvPicPr>
+            <a:picLocks noChangeAspect="1"/>
+          </p:cNvPicPr>
+          <p:nvPr/>
+        </p:nvPicPr>
+        <p:blipFill>
+          <a:blip r:embed="rId6" cstate="print">
+            <a:extLst>
+              <a:ext uri="{28A0092B-C50C-407E-A947-70E740481C1C}">
+                <a14:useLocalDpi xmlns:a14="http://schemas.microsoft.com/office/drawing/2010/main" val="0"/>
+              </a:ext>
+            </a:extLst>
+          </a:blip>
+          <a:stretch>
+            <a:fillRect/>
+          </a:stretch>
+        </p:blipFill>
+        <p:spPr>
+          <a:xfrm>
+            <a:off x="2008611" y="2064094"/>
+            <a:ext cx="452917" cy="452917"/>
+          </a:xfrm>
+          <a:prstGeom prst="rect">
+            <a:avLst/>
+          </a:prstGeom>
+        </p:spPr>
+      </p:pic>
+      <p:pic>
+        <p:nvPicPr>
+          <p:cNvPr id="28" name="그림 27"/>
+          <p:cNvPicPr>
+            <a:picLocks noChangeAspect="1"/>
+          </p:cNvPicPr>
+          <p:nvPr/>
+        </p:nvPicPr>
+        <p:blipFill>
+          <a:blip r:embed="rId6" cstate="print">
+            <a:extLst>
+              <a:ext uri="{28A0092B-C50C-407E-A947-70E740481C1C}">
+                <a14:useLocalDpi xmlns:a14="http://schemas.microsoft.com/office/drawing/2010/main" val="0"/>
+              </a:ext>
+            </a:extLst>
+          </a:blip>
+          <a:stretch>
+            <a:fillRect/>
+          </a:stretch>
+        </p:blipFill>
+        <p:spPr>
+          <a:xfrm>
+            <a:off x="3766714" y="2496586"/>
+            <a:ext cx="452917" cy="452917"/>
+          </a:xfrm>
+          <a:prstGeom prst="rect">
+            <a:avLst/>
+          </a:prstGeom>
+        </p:spPr>
+      </p:pic>
+      <p:pic>
+        <p:nvPicPr>
+          <p:cNvPr id="29" name="그림 28"/>
+          <p:cNvPicPr>
+            <a:picLocks noChangeAspect="1"/>
+          </p:cNvPicPr>
+          <p:nvPr/>
+        </p:nvPicPr>
+        <p:blipFill>
+          <a:blip r:embed="rId6" cstate="print">
+            <a:extLst>
+              <a:ext uri="{28A0092B-C50C-407E-A947-70E740481C1C}">
+                <a14:useLocalDpi xmlns:a14="http://schemas.microsoft.com/office/drawing/2010/main" val="0"/>
+              </a:ext>
+            </a:extLst>
+          </a:blip>
+          <a:stretch>
+            <a:fillRect/>
+          </a:stretch>
+        </p:blipFill>
+        <p:spPr>
+          <a:xfrm>
+            <a:off x="6852405" y="3080396"/>
+            <a:ext cx="452917" cy="452917"/>
+          </a:xfrm>
+          <a:prstGeom prst="rect">
+            <a:avLst/>
+          </a:prstGeom>
+        </p:spPr>
+      </p:pic>
+      <p:pic>
+        <p:nvPicPr>
+          <p:cNvPr id="27" name="그림 26"/>
+          <p:cNvPicPr>
+            <a:picLocks noChangeAspect="1"/>
+          </p:cNvPicPr>
+          <p:nvPr/>
+        </p:nvPicPr>
+        <p:blipFill>
+          <a:blip r:embed="rId4" cstate="print">
+            <a:extLst>
+              <a:ext uri="{28A0092B-C50C-407E-A947-70E740481C1C}">
+                <a14:useLocalDpi xmlns:a14="http://schemas.microsoft.com/office/drawing/2010/main" val="0"/>
+              </a:ext>
+            </a:extLst>
+          </a:blip>
+          <a:stretch>
+            <a:fillRect/>
+          </a:stretch>
+        </p:blipFill>
+        <p:spPr>
+          <a:xfrm>
+            <a:off x="3538579" y="3595881"/>
+            <a:ext cx="597160" cy="597160"/>
+          </a:xfrm>
+          <a:prstGeom prst="rect">
+            <a:avLst/>
+          </a:prstGeom>
+        </p:spPr>
+      </p:pic>
+      <p:pic>
+        <p:nvPicPr>
+          <p:cNvPr id="30" name="그림 29"/>
+          <p:cNvPicPr>
+            <a:picLocks noChangeAspect="1"/>
+          </p:cNvPicPr>
+          <p:nvPr/>
+        </p:nvPicPr>
+        <p:blipFill>
+          <a:blip r:embed="rId6" cstate="print">
+            <a:extLst>
+              <a:ext uri="{28A0092B-C50C-407E-A947-70E740481C1C}">
+                <a14:useLocalDpi xmlns:a14="http://schemas.microsoft.com/office/drawing/2010/main" val="0"/>
+              </a:ext>
+            </a:extLst>
+          </a:blip>
+          <a:stretch>
+            <a:fillRect/>
+          </a:stretch>
+        </p:blipFill>
+        <p:spPr>
+          <a:xfrm>
+            <a:off x="4112387" y="3490000"/>
+            <a:ext cx="452917" cy="452917"/>
+          </a:xfrm>
+          <a:prstGeom prst="rect">
+            <a:avLst/>
+          </a:prstGeom>
+        </p:spPr>
+      </p:pic>
+      <p:sp>
+        <p:nvSpPr>
+          <p:cNvPr id="31" name="TextBox 30"/>
+          <p:cNvSpPr txBox="1"/>
+          <p:nvPr/>
+        </p:nvSpPr>
+        <p:spPr>
+          <a:xfrm>
+            <a:off x="3318323" y="4177619"/>
+            <a:ext cx="1038939" cy="276999"/>
+          </a:xfrm>
+          <a:prstGeom prst="rect">
+            <a:avLst/>
+          </a:prstGeom>
+          <a:noFill/>
+        </p:spPr>
+        <p:txBody>
+          <a:bodyPr wrap="none" rtlCol="0">
+            <a:spAutoFit/>
+          </a:bodyPr>
+          <a:lstStyle/>
+          <a:p>
+            <a:r>
+              <a:rPr lang="en-US" altLang="ko-KR" sz="1200" dirty="0" smtClean="0"/>
+              <a:t>Proxy server</a:t>
+            </a:r>
+            <a:endParaRPr lang="ko-KR" altLang="en-US" sz="1200"/>
+          </a:p>
+        </p:txBody>
+      </p:sp>
+      <p:cxnSp>
+        <p:nvCxnSpPr>
+          <p:cNvPr id="32" name="직선 화살표 연결선 31"/>
+          <p:cNvCxnSpPr>
+            <a:endCxn id="27" idx="1"/>
+          </p:cNvCxnSpPr>
+          <p:nvPr/>
+        </p:nvCxnSpPr>
+        <p:spPr>
+          <a:xfrm>
+            <a:off x="1987917" y="2706587"/>
+            <a:ext cx="1550662" cy="1187874"/>
+          </a:xfrm>
+          <a:prstGeom prst="straightConnector1">
+            <a:avLst/>
+          </a:prstGeom>
+          <a:ln w="28575">
+            <a:solidFill>
+              <a:schemeClr val="tx1"/>
+            </a:solidFill>
+            <a:headEnd type="triangle" w="med" len="med"/>
+            <a:tailEnd type="triangle" w="med" len="med"/>
+          </a:ln>
+        </p:spPr>
+        <p:style>
+          <a:lnRef idx="1">
+            <a:schemeClr val="accent1"/>
+          </a:lnRef>
+          <a:fillRef idx="0">
+            <a:schemeClr val="accent1"/>
+          </a:fillRef>
+          <a:effectRef idx="0">
+            <a:schemeClr val="accent1"/>
+          </a:effectRef>
+          <a:fontRef idx="minor">
+            <a:schemeClr val="tx1"/>
+          </a:fontRef>
+        </p:style>
+      </p:cxnSp>
+      <p:cxnSp>
+        <p:nvCxnSpPr>
+          <p:cNvPr id="36" name="직선 화살표 연결선 35"/>
+          <p:cNvCxnSpPr>
+            <a:endCxn id="43" idx="1"/>
+          </p:cNvCxnSpPr>
+          <p:nvPr/>
+        </p:nvCxnSpPr>
+        <p:spPr>
+          <a:xfrm flipV="1">
+            <a:off x="4135739" y="3457972"/>
+            <a:ext cx="2089615" cy="436489"/>
+          </a:xfrm>
+          <a:prstGeom prst="straightConnector1">
+            <a:avLst/>
+          </a:prstGeom>
+          <a:ln w="28575">
+            <a:solidFill>
+              <a:schemeClr val="tx1"/>
+            </a:solidFill>
+            <a:headEnd type="triangle" w="med" len="med"/>
+            <a:tailEnd type="triangle" w="med" len="med"/>
+          </a:ln>
+        </p:spPr>
+        <p:style>
+          <a:lnRef idx="1">
+            <a:schemeClr val="accent1"/>
+          </a:lnRef>
+          <a:fillRef idx="0">
+            <a:schemeClr val="accent1"/>
+          </a:fillRef>
+          <a:effectRef idx="0">
+            <a:schemeClr val="accent1"/>
+          </a:effectRef>
+          <a:fontRef idx="minor">
+            <a:schemeClr val="tx1"/>
+          </a:fontRef>
+        </p:style>
+      </p:cxnSp>
+    </p:spTree>
+    <p:extLst>
+      <p:ext uri="{BB962C8B-B14F-4D97-AF65-F5344CB8AC3E}">
+        <p14:creationId xmlns:p14="http://schemas.microsoft.com/office/powerpoint/2010/main" val="2015229430"/>
+      </p:ext>
+    </p:extLst>
+  </p:cSld>
+  <p:clrMapOvr>
+    <a:masterClrMapping/>
+  </p:clrMapOvr>
+  <p:timing>
+    <p:tnLst>
+      <p:par>
+        <p:cTn id="1" dur="indefinite" restart="never" nodeType="tmRoot"/>
+      </p:par>
+    </p:tnLst>
+  </p:timing>
+</p:sld>
+</file>
+
+<file path=ppt/slides/slide3.xml><?xml version="1.0" encoding="utf-8"?>
+<p:sld xmlns:a="http://schemas.openxmlformats.org/drawingml/2006/main" xmlns:r="http://schemas.openxmlformats.org/officeDocument/2006/relationships" xmlns:p="http://schemas.openxmlformats.org/presentationml/2006/main">
+  <p:cSld>
+    <p:spTree>
+      <p:nvGrpSpPr>
+        <p:cNvPr id="1" name=""/>
+        <p:cNvGrpSpPr/>
+        <p:nvPr/>
+      </p:nvGrpSpPr>
+      <p:grpSpPr>
+        <a:xfrm>
+          <a:off x="0" y="0"/>
+          <a:ext cx="0" cy="0"/>
+          <a:chOff x="0" y="0"/>
+          <a:chExt cx="0" cy="0"/>
+        </a:xfrm>
+      </p:grpSpPr>
+      <p:sp>
+        <p:nvSpPr>
+          <p:cNvPr id="59" name="직사각형 58"/>
+          <p:cNvSpPr/>
+          <p:nvPr/>
+        </p:nvSpPr>
+        <p:spPr>
+          <a:xfrm>
+            <a:off x="5646943" y="1302379"/>
+            <a:ext cx="1902173" cy="2958931"/>
+          </a:xfrm>
+          <a:prstGeom prst="rect">
+            <a:avLst/>
+          </a:prstGeom>
+          <a:noFill/>
+          <a:ln>
+            <a:solidFill>
+              <a:schemeClr val="tx1"/>
+            </a:solidFill>
+          </a:ln>
+        </p:spPr>
+        <p:style>
+          <a:lnRef idx="2">
+            <a:schemeClr val="accent1">
+              <a:shade val="50000"/>
+            </a:schemeClr>
+          </a:lnRef>
+          <a:fillRef idx="1">
+            <a:schemeClr val="accent1"/>
+          </a:fillRef>
+          <a:effectRef idx="0">
+            <a:schemeClr val="accent1"/>
+          </a:effectRef>
+          <a:fontRef idx="minor">
+            <a:schemeClr val="lt1"/>
+          </a:fontRef>
+        </p:style>
+        <p:txBody>
+          <a:bodyPr rtlCol="0" anchor="ctr"/>
+          <a:lstStyle/>
+          <a:p>
+            <a:pPr algn="ctr"/>
+            <a:endParaRPr lang="ko-KR" altLang="en-US"/>
+          </a:p>
+        </p:txBody>
+      </p:sp>
+      <p:sp>
+        <p:nvSpPr>
+          <p:cNvPr id="39" name="구름 38"/>
+          <p:cNvSpPr/>
+          <p:nvPr/>
+        </p:nvSpPr>
+        <p:spPr>
+          <a:xfrm>
+            <a:off x="631484" y="1013977"/>
+            <a:ext cx="4517165" cy="3426218"/>
+          </a:xfrm>
+          <a:prstGeom prst="cloud">
+            <a:avLst/>
+          </a:prstGeom>
+          <a:noFill/>
+          <a:ln>
+            <a:solidFill>
+              <a:schemeClr val="tx1"/>
+            </a:solidFill>
+          </a:ln>
+        </p:spPr>
+        <p:style>
+          <a:lnRef idx="2">
+            <a:schemeClr val="accent1">
+              <a:shade val="50000"/>
+            </a:schemeClr>
+          </a:lnRef>
+          <a:fillRef idx="1">
+            <a:schemeClr val="accent1"/>
+          </a:fillRef>
+          <a:effectRef idx="0">
+            <a:schemeClr val="accent1"/>
+          </a:effectRef>
+          <a:fontRef idx="minor">
+            <a:schemeClr val="lt1"/>
+          </a:fontRef>
+        </p:style>
+        <p:txBody>
+          <a:bodyPr rtlCol="0" anchor="ctr"/>
+          <a:lstStyle/>
+          <a:p>
+            <a:pPr algn="ctr"/>
+            <a:endParaRPr lang="ko-KR" altLang="en-US"/>
+          </a:p>
+        </p:txBody>
+      </p:sp>
+      <p:cxnSp>
+        <p:nvCxnSpPr>
+          <p:cNvPr id="15" name="직선 화살표 연결선 14"/>
+          <p:cNvCxnSpPr>
+            <a:endCxn id="43" idx="1"/>
+          </p:cNvCxnSpPr>
+          <p:nvPr/>
+        </p:nvCxnSpPr>
+        <p:spPr>
+          <a:xfrm>
+            <a:off x="1987917" y="2693924"/>
+            <a:ext cx="4237437" cy="764048"/>
+          </a:xfrm>
+          <a:prstGeom prst="straightConnector1">
+            <a:avLst/>
+          </a:prstGeom>
+          <a:ln w="28575">
+            <a:solidFill>
+              <a:schemeClr val="tx1"/>
+            </a:solidFill>
+            <a:headEnd type="triangle" w="med" len="med"/>
+            <a:tailEnd type="triangle" w="med" len="med"/>
+          </a:ln>
+        </p:spPr>
+        <p:style>
+          <a:lnRef idx="1">
+            <a:schemeClr val="accent1"/>
+          </a:lnRef>
+          <a:fillRef idx="0">
+            <a:schemeClr val="accent1"/>
+          </a:fillRef>
+          <a:effectRef idx="0">
+            <a:schemeClr val="accent1"/>
+          </a:effectRef>
+          <a:fontRef idx="minor">
+            <a:schemeClr val="tx1"/>
+          </a:fontRef>
+        </p:style>
+      </p:cxnSp>
+      <p:cxnSp>
+        <p:nvCxnSpPr>
+          <p:cNvPr id="19" name="직선 화살표 연결선 18"/>
+          <p:cNvCxnSpPr>
+            <a:stCxn id="43" idx="0"/>
+            <a:endCxn id="44" idx="2"/>
+          </p:cNvCxnSpPr>
+          <p:nvPr/>
+        </p:nvCxnSpPr>
+        <p:spPr>
+          <a:xfrm flipV="1">
+            <a:off x="6523934" y="2386148"/>
+            <a:ext cx="0" cy="773244"/>
+          </a:xfrm>
+          <a:prstGeom prst="straightConnector1">
+            <a:avLst/>
+          </a:prstGeom>
+          <a:ln w="28575">
+            <a:solidFill>
+              <a:schemeClr val="tx1"/>
+            </a:solidFill>
+            <a:tailEnd type="triangle"/>
+          </a:ln>
+        </p:spPr>
+        <p:style>
+          <a:lnRef idx="1">
+            <a:schemeClr val="accent1"/>
+          </a:lnRef>
+          <a:fillRef idx="0">
+            <a:schemeClr val="accent1"/>
+          </a:fillRef>
+          <a:effectRef idx="0">
+            <a:schemeClr val="accent1"/>
+          </a:effectRef>
+          <a:fontRef idx="minor">
+            <a:schemeClr val="tx1"/>
+          </a:fontRef>
+        </p:style>
+      </p:cxnSp>
+      <p:grpSp>
+        <p:nvGrpSpPr>
+          <p:cNvPr id="37" name="그룹 36"/>
+          <p:cNvGrpSpPr/>
+          <p:nvPr/>
+        </p:nvGrpSpPr>
+        <p:grpSpPr>
+          <a:xfrm>
+            <a:off x="3134755" y="1302379"/>
+            <a:ext cx="1113746" cy="1038714"/>
+            <a:chOff x="2734621" y="1764617"/>
+            <a:chExt cx="1113746" cy="1038714"/>
+          </a:xfrm>
+        </p:grpSpPr>
+        <p:pic>
+          <p:nvPicPr>
+            <p:cNvPr id="8" name="그림 7"/>
+            <p:cNvPicPr>
+              <a:picLocks noChangeAspect="1"/>
+            </p:cNvPicPr>
+            <p:nvPr/>
+          </p:nvPicPr>
+          <p:blipFill>
+            <a:blip r:embed="rId2" cstate="print">
+              <a:extLst>
+                <a:ext uri="{28A0092B-C50C-407E-A947-70E740481C1C}">
+                  <a14:useLocalDpi xmlns:a14="http://schemas.microsoft.com/office/drawing/2010/main" val="0"/>
+                </a:ext>
+              </a:extLst>
+            </a:blip>
+            <a:stretch>
+              <a:fillRect/>
+            </a:stretch>
+          </p:blipFill>
+          <p:spPr>
+            <a:xfrm>
+              <a:off x="2734621" y="1764617"/>
+              <a:ext cx="792519" cy="792519"/>
+            </a:xfrm>
+            <a:prstGeom prst="rect">
+              <a:avLst/>
+            </a:prstGeom>
+          </p:spPr>
+        </p:pic>
+        <p:sp>
+          <p:nvSpPr>
+            <p:cNvPr id="21" name="TextBox 20"/>
+            <p:cNvSpPr txBox="1"/>
+            <p:nvPr/>
+          </p:nvSpPr>
+          <p:spPr>
+            <a:xfrm>
+              <a:off x="3079759" y="2526332"/>
+              <a:ext cx="768608" cy="276999"/>
+            </a:xfrm>
+            <a:prstGeom prst="rect">
+              <a:avLst/>
+            </a:prstGeom>
+            <a:noFill/>
+          </p:spPr>
+          <p:txBody>
+            <a:bodyPr wrap="none" rtlCol="0">
+              <a:spAutoFit/>
+            </a:bodyPr>
+            <a:lstStyle/>
+            <a:p>
+              <a:r>
+                <a:rPr lang="en-US" altLang="ko-KR" sz="1200" dirty="0" smtClean="0"/>
+                <a:t>VSCODE</a:t>
+              </a:r>
+              <a:endParaRPr lang="ko-KR" altLang="en-US" sz="1200"/>
+            </a:p>
+          </p:txBody>
+        </p:sp>
+      </p:grpSp>
+      <p:sp>
+        <p:nvSpPr>
+          <p:cNvPr id="35" name="TextBox 34"/>
+          <p:cNvSpPr txBox="1"/>
+          <p:nvPr/>
+        </p:nvSpPr>
+        <p:spPr>
+          <a:xfrm>
+            <a:off x="3720833" y="1552851"/>
+            <a:ext cx="898323" cy="276999"/>
+          </a:xfrm>
+          <a:prstGeom prst="rect">
+            <a:avLst/>
+          </a:prstGeom>
+          <a:noFill/>
+        </p:spPr>
+        <p:txBody>
+          <a:bodyPr wrap="none" rtlCol="0">
+            <a:spAutoFit/>
+          </a:bodyPr>
+          <a:lstStyle/>
+          <a:p>
+            <a:r>
+              <a:rPr lang="en-US" altLang="ko-KR" sz="1200" dirty="0" smtClean="0"/>
+              <a:t>My laptop</a:t>
+            </a:r>
+            <a:endParaRPr lang="ko-KR" altLang="en-US" sz="1200"/>
+          </a:p>
+        </p:txBody>
+      </p:sp>
+      <p:sp>
+        <p:nvSpPr>
+          <p:cNvPr id="22" name="TextBox 21"/>
+          <p:cNvSpPr txBox="1"/>
+          <p:nvPr/>
+        </p:nvSpPr>
+        <p:spPr>
+          <a:xfrm>
+            <a:off x="5663602" y="3760454"/>
+            <a:ext cx="1720664" cy="276999"/>
+          </a:xfrm>
+          <a:prstGeom prst="rect">
+            <a:avLst/>
+          </a:prstGeom>
+          <a:noFill/>
+        </p:spPr>
+        <p:txBody>
+          <a:bodyPr wrap="none" rtlCol="0">
+            <a:spAutoFit/>
+          </a:bodyPr>
+          <a:lstStyle/>
+          <a:p>
+            <a:r>
+              <a:rPr lang="en-US" altLang="ko-KR" sz="1200" dirty="0" smtClean="0"/>
+              <a:t>Source &amp; build server</a:t>
+            </a:r>
+            <a:endParaRPr lang="ko-KR" altLang="en-US" sz="1200"/>
+          </a:p>
+        </p:txBody>
+      </p:sp>
+      <p:pic>
+        <p:nvPicPr>
+          <p:cNvPr id="43" name="그림 42"/>
+          <p:cNvPicPr>
+            <a:picLocks noChangeAspect="1"/>
+          </p:cNvPicPr>
+          <p:nvPr/>
+        </p:nvPicPr>
+        <p:blipFill>
+          <a:blip r:embed="rId3" cstate="print">
+            <a:extLst>
+              <a:ext uri="{28A0092B-C50C-407E-A947-70E740481C1C}">
+                <a14:useLocalDpi xmlns:a14="http://schemas.microsoft.com/office/drawing/2010/main" val="0"/>
+              </a:ext>
+            </a:extLst>
+          </a:blip>
+          <a:stretch>
+            <a:fillRect/>
+          </a:stretch>
+        </p:blipFill>
+        <p:spPr>
+          <a:xfrm>
+            <a:off x="6225354" y="3159392"/>
+            <a:ext cx="597160" cy="597160"/>
+          </a:xfrm>
+          <a:prstGeom prst="rect">
+            <a:avLst/>
+          </a:prstGeom>
+        </p:spPr>
+      </p:pic>
+      <p:sp>
+        <p:nvSpPr>
+          <p:cNvPr id="23" name="TextBox 22"/>
+          <p:cNvSpPr txBox="1"/>
+          <p:nvPr/>
+        </p:nvSpPr>
+        <p:spPr>
+          <a:xfrm>
+            <a:off x="6060602" y="1552851"/>
+            <a:ext cx="926664" cy="276999"/>
+          </a:xfrm>
+          <a:prstGeom prst="rect">
+            <a:avLst/>
+          </a:prstGeom>
+          <a:noFill/>
+        </p:spPr>
+        <p:txBody>
+          <a:bodyPr wrap="none" rtlCol="0">
+            <a:spAutoFit/>
+          </a:bodyPr>
+          <a:lstStyle/>
+          <a:p>
+            <a:r>
+              <a:rPr lang="en-US" altLang="ko-KR" sz="1200" dirty="0" smtClean="0"/>
+              <a:t>Test server</a:t>
+            </a:r>
+            <a:endParaRPr lang="ko-KR" altLang="en-US" sz="1200"/>
+          </a:p>
+        </p:txBody>
+      </p:sp>
+      <p:pic>
+        <p:nvPicPr>
+          <p:cNvPr id="44" name="그림 43"/>
+          <p:cNvPicPr>
+            <a:picLocks noChangeAspect="1"/>
+          </p:cNvPicPr>
+          <p:nvPr/>
+        </p:nvPicPr>
+        <p:blipFill>
+          <a:blip r:embed="rId3" cstate="print">
+            <a:extLst>
+              <a:ext uri="{28A0092B-C50C-407E-A947-70E740481C1C}">
+                <a14:useLocalDpi xmlns:a14="http://schemas.microsoft.com/office/drawing/2010/main" val="0"/>
+              </a:ext>
+            </a:extLst>
+          </a:blip>
+          <a:stretch>
+            <a:fillRect/>
+          </a:stretch>
+        </p:blipFill>
+        <p:spPr>
+          <a:xfrm>
+            <a:off x="6225354" y="1788988"/>
+            <a:ext cx="597160" cy="597160"/>
+          </a:xfrm>
+          <a:prstGeom prst="rect">
+            <a:avLst/>
+          </a:prstGeom>
+        </p:spPr>
+      </p:pic>
+      <p:grpSp>
+        <p:nvGrpSpPr>
+          <p:cNvPr id="51" name="그룹 50"/>
+          <p:cNvGrpSpPr/>
+          <p:nvPr/>
+        </p:nvGrpSpPr>
+        <p:grpSpPr>
+          <a:xfrm>
+            <a:off x="1146692" y="2170792"/>
+            <a:ext cx="1046265" cy="1323264"/>
+            <a:chOff x="1058668" y="1960203"/>
+            <a:chExt cx="1046265" cy="1323264"/>
+          </a:xfrm>
+        </p:grpSpPr>
+        <p:pic>
+          <p:nvPicPr>
+            <p:cNvPr id="46" name="그림 45"/>
+            <p:cNvPicPr>
+              <a:picLocks noChangeAspect="1"/>
+            </p:cNvPicPr>
+            <p:nvPr/>
+          </p:nvPicPr>
+          <p:blipFill>
+            <a:blip r:embed="rId4" cstate="print">
+              <a:extLst>
+                <a:ext uri="{28A0092B-C50C-407E-A947-70E740481C1C}">
+                  <a14:useLocalDpi xmlns:a14="http://schemas.microsoft.com/office/drawing/2010/main" val="0"/>
+                </a:ext>
+              </a:extLst>
+            </a:blip>
+            <a:stretch>
+              <a:fillRect/>
+            </a:stretch>
+          </p:blipFill>
+          <p:spPr>
+            <a:xfrm>
+              <a:off x="1058668" y="1960203"/>
+              <a:ext cx="1046265" cy="1046265"/>
+            </a:xfrm>
+            <a:prstGeom prst="rect">
+              <a:avLst/>
+            </a:prstGeom>
+          </p:spPr>
+        </p:pic>
+        <p:sp>
+          <p:nvSpPr>
+            <p:cNvPr id="49" name="TextBox 48"/>
+            <p:cNvSpPr txBox="1"/>
+            <p:nvPr/>
+          </p:nvSpPr>
+          <p:spPr>
+            <a:xfrm>
+              <a:off x="1210544" y="3006468"/>
+              <a:ext cx="742511" cy="276999"/>
+            </a:xfrm>
+            <a:prstGeom prst="rect">
+              <a:avLst/>
+            </a:prstGeom>
+            <a:noFill/>
+          </p:spPr>
+          <p:txBody>
+            <a:bodyPr wrap="none" rtlCol="0">
+              <a:spAutoFit/>
+            </a:bodyPr>
+            <a:lstStyle/>
+            <a:p>
+              <a:r>
+                <a:rPr lang="en-US" altLang="ko-KR" sz="1200" dirty="0" smtClean="0"/>
+                <a:t>GITHUB</a:t>
+              </a:r>
+              <a:endParaRPr lang="ko-KR" altLang="en-US" sz="1200"/>
+            </a:p>
+          </p:txBody>
+        </p:sp>
+      </p:grpSp>
+      <p:cxnSp>
+        <p:nvCxnSpPr>
+          <p:cNvPr id="63" name="직선 화살표 연결선 62"/>
+          <p:cNvCxnSpPr>
+            <a:endCxn id="43" idx="1"/>
+          </p:cNvCxnSpPr>
+          <p:nvPr/>
+        </p:nvCxnSpPr>
+        <p:spPr>
+          <a:xfrm>
+            <a:off x="3806456" y="1829850"/>
+            <a:ext cx="2418898" cy="1628122"/>
+          </a:xfrm>
+          <a:prstGeom prst="straightConnector1">
+            <a:avLst/>
+          </a:prstGeom>
+          <a:ln w="28575">
+            <a:solidFill>
+              <a:schemeClr val="tx1"/>
+            </a:solidFill>
+            <a:headEnd type="triangle" w="med" len="med"/>
+            <a:tailEnd type="triangle" w="med" len="med"/>
+          </a:ln>
+        </p:spPr>
+        <p:style>
+          <a:lnRef idx="1">
+            <a:schemeClr val="accent1"/>
+          </a:lnRef>
+          <a:fillRef idx="0">
+            <a:schemeClr val="accent1"/>
+          </a:fillRef>
+          <a:effectRef idx="0">
+            <a:schemeClr val="accent1"/>
+          </a:effectRef>
+          <a:fontRef idx="minor">
+            <a:schemeClr val="tx1"/>
+          </a:fontRef>
+        </p:style>
+      </p:cxnSp>
+      <p:sp>
+        <p:nvSpPr>
+          <p:cNvPr id="66" name="TextBox 65"/>
+          <p:cNvSpPr txBox="1"/>
+          <p:nvPr/>
+        </p:nvSpPr>
+        <p:spPr>
+          <a:xfrm>
+            <a:off x="2096315" y="724951"/>
+            <a:ext cx="1632720" cy="369332"/>
+          </a:xfrm>
+          <a:prstGeom prst="rect">
+            <a:avLst/>
+          </a:prstGeom>
+          <a:noFill/>
+        </p:spPr>
+        <p:txBody>
+          <a:bodyPr wrap="square" rtlCol="0">
+            <a:spAutoFit/>
+          </a:bodyPr>
+          <a:lstStyle/>
+          <a:p>
+            <a:r>
+              <a:rPr lang="en-US" altLang="ko-KR" dirty="0" smtClean="0"/>
+              <a:t>Internet</a:t>
+            </a:r>
+            <a:endParaRPr lang="ko-KR" altLang="en-US"/>
+          </a:p>
+        </p:txBody>
+      </p:sp>
+      <p:sp>
+        <p:nvSpPr>
+          <p:cNvPr id="67" name="TextBox 66"/>
+          <p:cNvSpPr txBox="1"/>
+          <p:nvPr/>
+        </p:nvSpPr>
+        <p:spPr>
+          <a:xfrm>
+            <a:off x="5707574" y="917169"/>
+            <a:ext cx="1632720" cy="369332"/>
+          </a:xfrm>
+          <a:prstGeom prst="rect">
+            <a:avLst/>
+          </a:prstGeom>
+          <a:noFill/>
+        </p:spPr>
+        <p:txBody>
+          <a:bodyPr wrap="square" rtlCol="0">
+            <a:spAutoFit/>
+          </a:bodyPr>
+          <a:lstStyle/>
+          <a:p>
+            <a:pPr algn="ctr"/>
+            <a:r>
+              <a:rPr lang="en-US" altLang="ko-KR" dirty="0" smtClean="0"/>
+              <a:t>Intranet</a:t>
+            </a:r>
+            <a:endParaRPr lang="ko-KR" altLang="en-US"/>
+          </a:p>
+        </p:txBody>
+      </p:sp>
+      <p:pic>
+        <p:nvPicPr>
+          <p:cNvPr id="2" name="그림 1"/>
+          <p:cNvPicPr>
+            <a:picLocks noChangeAspect="1"/>
+          </p:cNvPicPr>
+          <p:nvPr/>
+        </p:nvPicPr>
+        <p:blipFill>
+          <a:blip r:embed="rId5" cstate="print">
+            <a:extLst>
+              <a:ext uri="{28A0092B-C50C-407E-A947-70E740481C1C}">
+                <a14:useLocalDpi xmlns:a14="http://schemas.microsoft.com/office/drawing/2010/main" val="0"/>
+              </a:ext>
+            </a:extLst>
+          </a:blip>
+          <a:stretch>
+            <a:fillRect/>
+          </a:stretch>
+        </p:blipFill>
+        <p:spPr>
+          <a:xfrm>
+            <a:off x="2008611" y="2064094"/>
+            <a:ext cx="452917" cy="452917"/>
+          </a:xfrm>
+          <a:prstGeom prst="rect">
+            <a:avLst/>
+          </a:prstGeom>
+        </p:spPr>
+      </p:pic>
+      <p:pic>
+        <p:nvPicPr>
+          <p:cNvPr id="29" name="그림 28"/>
+          <p:cNvPicPr>
+            <a:picLocks noChangeAspect="1"/>
+          </p:cNvPicPr>
+          <p:nvPr/>
+        </p:nvPicPr>
+        <p:blipFill>
+          <a:blip r:embed="rId5" cstate="print">
+            <a:extLst>
+              <a:ext uri="{28A0092B-C50C-407E-A947-70E740481C1C}">
+                <a14:useLocalDpi xmlns:a14="http://schemas.microsoft.com/office/drawing/2010/main" val="0"/>
+              </a:ext>
+            </a:extLst>
+          </a:blip>
+          <a:stretch>
+            <a:fillRect/>
+          </a:stretch>
+        </p:blipFill>
+        <p:spPr>
+          <a:xfrm>
+            <a:off x="6852405" y="3080396"/>
+            <a:ext cx="452917" cy="452917"/>
+          </a:xfrm>
+          <a:prstGeom prst="rect">
+            <a:avLst/>
+          </a:prstGeom>
+        </p:spPr>
+      </p:pic>
+    </p:spTree>
+    <p:extLst>
+      <p:ext uri="{BB962C8B-B14F-4D97-AF65-F5344CB8AC3E}">
+        <p14:creationId xmlns:p14="http://schemas.microsoft.com/office/powerpoint/2010/main" val="3580980766"/>
+      </p:ext>
+    </p:extLst>
+  </p:cSld>
+  <p:clrMapOvr>
+    <a:masterClrMapping/>
+  </p:clrMapOvr>
+  <p:timing>
+    <p:tnLst>
+      <p:par>
+        <p:cTn id="1" dur="indefinite" restart="never" nodeType="tmRoot"/>
+      </p:par>
+    </p:tnLst>
+  </p:timing>
+</p:sld>
+</file>
+
+<file path=ppt/slides/slide4.xml><?xml version="1.0" encoding="utf-8"?>
+<p:sld xmlns:a="http://schemas.openxmlformats.org/drawingml/2006/main" xmlns:r="http://schemas.openxmlformats.org/officeDocument/2006/relationships" xmlns:p="http://schemas.openxmlformats.org/presentationml/2006/main">
+  <p:cSld>
+    <p:spTree>
+      <p:nvGrpSpPr>
+        <p:cNvPr id="1" name=""/>
+        <p:cNvGrpSpPr/>
+        <p:nvPr/>
+      </p:nvGrpSpPr>
+      <p:grpSpPr>
+        <a:xfrm>
+          <a:off x="0" y="0"/>
+          <a:ext cx="0" cy="0"/>
+          <a:chOff x="0" y="0"/>
+          <a:chExt cx="0" cy="0"/>
+        </a:xfrm>
+      </p:grpSpPr>
+      <p:sp>
+        <p:nvSpPr>
+          <p:cNvPr id="59" name="직사각형 58"/>
+          <p:cNvSpPr/>
+          <p:nvPr/>
+        </p:nvSpPr>
+        <p:spPr>
+          <a:xfrm>
+            <a:off x="5646943" y="1302379"/>
+            <a:ext cx="1902173" cy="2958931"/>
+          </a:xfrm>
+          <a:prstGeom prst="rect">
+            <a:avLst/>
+          </a:prstGeom>
+          <a:noFill/>
+          <a:ln>
+            <a:solidFill>
+              <a:schemeClr val="tx1"/>
+            </a:solidFill>
+          </a:ln>
+        </p:spPr>
+        <p:style>
+          <a:lnRef idx="2">
+            <a:schemeClr val="accent1">
+              <a:shade val="50000"/>
+            </a:schemeClr>
+          </a:lnRef>
+          <a:fillRef idx="1">
+            <a:schemeClr val="accent1"/>
+          </a:fillRef>
+          <a:effectRef idx="0">
+            <a:schemeClr val="accent1"/>
+          </a:effectRef>
+          <a:fontRef idx="minor">
+            <a:schemeClr val="lt1"/>
+          </a:fontRef>
+        </p:style>
+        <p:txBody>
+          <a:bodyPr rtlCol="0" anchor="ctr"/>
+          <a:lstStyle/>
+          <a:p>
+            <a:pPr algn="ctr"/>
+            <a:endParaRPr lang="ko-KR" altLang="en-US"/>
+          </a:p>
+        </p:txBody>
+      </p:sp>
+      <p:sp>
+        <p:nvSpPr>
+          <p:cNvPr id="39" name="구름 38"/>
+          <p:cNvSpPr/>
+          <p:nvPr/>
+        </p:nvSpPr>
+        <p:spPr>
+          <a:xfrm>
+            <a:off x="631484" y="1013977"/>
+            <a:ext cx="4517165" cy="3426218"/>
+          </a:xfrm>
+          <a:prstGeom prst="cloud">
+            <a:avLst/>
+          </a:prstGeom>
+          <a:noFill/>
+          <a:ln>
+            <a:solidFill>
+              <a:schemeClr val="tx1"/>
+            </a:solidFill>
+          </a:ln>
+        </p:spPr>
+        <p:style>
+          <a:lnRef idx="2">
+            <a:schemeClr val="accent1">
+              <a:shade val="50000"/>
+            </a:schemeClr>
+          </a:lnRef>
+          <a:fillRef idx="1">
+            <a:schemeClr val="accent1"/>
+          </a:fillRef>
+          <a:effectRef idx="0">
+            <a:schemeClr val="accent1"/>
+          </a:effectRef>
+          <a:fontRef idx="minor">
+            <a:schemeClr val="lt1"/>
+          </a:fontRef>
+        </p:style>
+        <p:txBody>
+          <a:bodyPr rtlCol="0" anchor="ctr"/>
+          <a:lstStyle/>
+          <a:p>
+            <a:pPr algn="ctr"/>
+            <a:endParaRPr lang="ko-KR" altLang="en-US"/>
+          </a:p>
+        </p:txBody>
+      </p:sp>
+      <p:sp>
+        <p:nvSpPr>
+          <p:cNvPr id="33" name="모서리가 둥근 직사각형 32"/>
+          <p:cNvSpPr/>
+          <p:nvPr/>
+        </p:nvSpPr>
+        <p:spPr>
+          <a:xfrm>
+            <a:off x="2912675" y="1817896"/>
+            <a:ext cx="1729945" cy="1797174"/>
+          </a:xfrm>
+          <a:prstGeom prst="roundRect">
+            <a:avLst/>
+          </a:prstGeom>
+          <a:solidFill>
+            <a:schemeClr val="bg1"/>
+          </a:solidFill>
+          <a:ln>
+            <a:solidFill>
+              <a:schemeClr val="tx1"/>
+            </a:solidFill>
+          </a:ln>
+        </p:spPr>
+        <p:style>
+          <a:lnRef idx="2">
+            <a:schemeClr val="accent1">
+              <a:shade val="50000"/>
+            </a:schemeClr>
+          </a:lnRef>
+          <a:fillRef idx="1">
+            <a:schemeClr val="accent1"/>
+          </a:fillRef>
+          <a:effectRef idx="0">
+            <a:schemeClr val="accent1"/>
+          </a:effectRef>
+          <a:fontRef idx="minor">
+            <a:schemeClr val="lt1"/>
+          </a:fontRef>
+        </p:style>
+        <p:txBody>
+          <a:bodyPr rtlCol="0" anchor="ctr"/>
+          <a:lstStyle/>
+          <a:p>
+            <a:pPr algn="ctr"/>
+            <a:endParaRPr lang="ko-KR" altLang="en-US"/>
+          </a:p>
+        </p:txBody>
+      </p:sp>
+      <p:cxnSp>
+        <p:nvCxnSpPr>
+          <p:cNvPr id="13" name="직선 화살표 연결선 12"/>
+          <p:cNvCxnSpPr/>
+          <p:nvPr/>
+        </p:nvCxnSpPr>
+        <p:spPr>
+          <a:xfrm>
+            <a:off x="3479893" y="2094898"/>
+            <a:ext cx="1" cy="511241"/>
+          </a:xfrm>
+          <a:prstGeom prst="straightConnector1">
+            <a:avLst/>
+          </a:prstGeom>
+          <a:ln w="28575">
+            <a:solidFill>
+              <a:schemeClr val="tx1"/>
+            </a:solidFill>
+            <a:tailEnd type="triangle"/>
+          </a:ln>
+        </p:spPr>
+        <p:style>
+          <a:lnRef idx="1">
+            <a:schemeClr val="accent1"/>
+          </a:lnRef>
+          <a:fillRef idx="0">
+            <a:schemeClr val="accent1"/>
+          </a:fillRef>
+          <a:effectRef idx="0">
+            <a:schemeClr val="accent1"/>
+          </a:effectRef>
+          <a:fontRef idx="minor">
+            <a:schemeClr val="tx1"/>
+          </a:fontRef>
+        </p:style>
+      </p:cxnSp>
+      <p:cxnSp>
+        <p:nvCxnSpPr>
+          <p:cNvPr id="15" name="직선 화살표 연결선 14"/>
+          <p:cNvCxnSpPr/>
+          <p:nvPr/>
+        </p:nvCxnSpPr>
+        <p:spPr>
+          <a:xfrm>
+            <a:off x="1987917" y="2693924"/>
+            <a:ext cx="1324335" cy="138500"/>
+          </a:xfrm>
+          <a:prstGeom prst="straightConnector1">
+            <a:avLst/>
+          </a:prstGeom>
+          <a:ln w="28575">
+            <a:solidFill>
+              <a:schemeClr val="tx1"/>
+            </a:solidFill>
+            <a:headEnd type="triangle" w="med" len="med"/>
+            <a:tailEnd type="triangle" w="med" len="med"/>
+          </a:ln>
+        </p:spPr>
+        <p:style>
+          <a:lnRef idx="1">
+            <a:schemeClr val="accent1"/>
+          </a:lnRef>
+          <a:fillRef idx="0">
+            <a:schemeClr val="accent1"/>
+          </a:fillRef>
+          <a:effectRef idx="0">
+            <a:schemeClr val="accent1"/>
+          </a:effectRef>
+          <a:fontRef idx="minor">
+            <a:schemeClr val="tx1"/>
+          </a:fontRef>
+        </p:style>
+      </p:cxnSp>
+      <p:sp>
+        <p:nvSpPr>
+          <p:cNvPr id="20" name="TextBox 19"/>
+          <p:cNvSpPr txBox="1"/>
+          <p:nvPr/>
+        </p:nvSpPr>
+        <p:spPr>
+          <a:xfrm>
+            <a:off x="3251481" y="3029856"/>
+            <a:ext cx="574196" cy="276999"/>
+          </a:xfrm>
+          <a:prstGeom prst="rect">
+            <a:avLst/>
+          </a:prstGeom>
+          <a:noFill/>
+        </p:spPr>
+        <p:txBody>
+          <a:bodyPr wrap="none" rtlCol="0">
+            <a:spAutoFit/>
+          </a:bodyPr>
+          <a:lstStyle/>
+          <a:p>
+            <a:r>
+              <a:rPr lang="en-US" altLang="ko-KR" sz="1200" dirty="0" smtClean="0"/>
+              <a:t>WSL2</a:t>
+            </a:r>
+            <a:endParaRPr lang="ko-KR" altLang="en-US" sz="1200"/>
+          </a:p>
+        </p:txBody>
+      </p:sp>
+      <p:grpSp>
+        <p:nvGrpSpPr>
+          <p:cNvPr id="37" name="그룹 36"/>
+          <p:cNvGrpSpPr/>
+          <p:nvPr/>
+        </p:nvGrpSpPr>
+        <p:grpSpPr>
+          <a:xfrm>
+            <a:off x="3134755" y="1302379"/>
+            <a:ext cx="1113746" cy="1038714"/>
+            <a:chOff x="2734621" y="1764617"/>
+            <a:chExt cx="1113746" cy="1038714"/>
+          </a:xfrm>
+        </p:grpSpPr>
+        <p:pic>
+          <p:nvPicPr>
+            <p:cNvPr id="8" name="그림 7"/>
+            <p:cNvPicPr>
+              <a:picLocks noChangeAspect="1"/>
+            </p:cNvPicPr>
+            <p:nvPr/>
+          </p:nvPicPr>
+          <p:blipFill>
+            <a:blip r:embed="rId2" cstate="print">
+              <a:extLst>
+                <a:ext uri="{28A0092B-C50C-407E-A947-70E740481C1C}">
+                  <a14:useLocalDpi xmlns:a14="http://schemas.microsoft.com/office/drawing/2010/main" val="0"/>
+                </a:ext>
+              </a:extLst>
+            </a:blip>
+            <a:stretch>
+              <a:fillRect/>
+            </a:stretch>
+          </p:blipFill>
+          <p:spPr>
+            <a:xfrm>
+              <a:off x="2734621" y="1764617"/>
+              <a:ext cx="792519" cy="792519"/>
+            </a:xfrm>
+            <a:prstGeom prst="rect">
+              <a:avLst/>
+            </a:prstGeom>
+          </p:spPr>
+        </p:pic>
+        <p:sp>
+          <p:nvSpPr>
+            <p:cNvPr id="21" name="TextBox 20"/>
+            <p:cNvSpPr txBox="1"/>
+            <p:nvPr/>
+          </p:nvSpPr>
+          <p:spPr>
+            <a:xfrm>
+              <a:off x="3079759" y="2526332"/>
+              <a:ext cx="768608" cy="276999"/>
+            </a:xfrm>
+            <a:prstGeom prst="rect">
+              <a:avLst/>
+            </a:prstGeom>
+            <a:noFill/>
+          </p:spPr>
+          <p:txBody>
+            <a:bodyPr wrap="none" rtlCol="0">
+              <a:spAutoFit/>
+            </a:bodyPr>
+            <a:lstStyle/>
+            <a:p>
+              <a:r>
+                <a:rPr lang="en-US" altLang="ko-KR" sz="1200" dirty="0" smtClean="0"/>
+                <a:t>VSCODE</a:t>
+              </a:r>
+              <a:endParaRPr lang="ko-KR" altLang="en-US" sz="1200"/>
+            </a:p>
+          </p:txBody>
+        </p:sp>
+      </p:grpSp>
+      <p:sp>
+        <p:nvSpPr>
+          <p:cNvPr id="35" name="TextBox 34"/>
+          <p:cNvSpPr txBox="1"/>
+          <p:nvPr/>
+        </p:nvSpPr>
+        <p:spPr>
+          <a:xfrm>
+            <a:off x="3720833" y="1552851"/>
+            <a:ext cx="898323" cy="276999"/>
+          </a:xfrm>
+          <a:prstGeom prst="rect">
+            <a:avLst/>
+          </a:prstGeom>
+          <a:noFill/>
+        </p:spPr>
+        <p:txBody>
+          <a:bodyPr wrap="none" rtlCol="0">
+            <a:spAutoFit/>
+          </a:bodyPr>
+          <a:lstStyle/>
+          <a:p>
+            <a:r>
+              <a:rPr lang="en-US" altLang="ko-KR" sz="1200" dirty="0" smtClean="0"/>
+              <a:t>My laptop</a:t>
+            </a:r>
+            <a:endParaRPr lang="ko-KR" altLang="en-US" sz="1200"/>
+          </a:p>
+        </p:txBody>
+      </p:sp>
+      <p:pic>
+        <p:nvPicPr>
+          <p:cNvPr id="42" name="그림 41"/>
+          <p:cNvPicPr>
+            <a:picLocks noChangeAspect="1"/>
+          </p:cNvPicPr>
+          <p:nvPr/>
+        </p:nvPicPr>
+        <p:blipFill>
+          <a:blip r:embed="rId3" cstate="print">
+            <a:extLst>
+              <a:ext uri="{28A0092B-C50C-407E-A947-70E740481C1C}">
+                <a14:useLocalDpi xmlns:a14="http://schemas.microsoft.com/office/drawing/2010/main" val="0"/>
+              </a:ext>
+            </a:extLst>
+          </a:blip>
+          <a:stretch>
+            <a:fillRect/>
+          </a:stretch>
+        </p:blipFill>
+        <p:spPr>
+          <a:xfrm>
+            <a:off x="3312252" y="2613663"/>
+            <a:ext cx="437523" cy="437523"/>
+          </a:xfrm>
+          <a:prstGeom prst="rect">
+            <a:avLst/>
+          </a:prstGeom>
+        </p:spPr>
+      </p:pic>
+      <p:sp>
+        <p:nvSpPr>
+          <p:cNvPr id="23" name="TextBox 22"/>
+          <p:cNvSpPr txBox="1"/>
+          <p:nvPr/>
+        </p:nvSpPr>
+        <p:spPr>
+          <a:xfrm>
+            <a:off x="6060602" y="1552851"/>
+            <a:ext cx="926664" cy="276999"/>
+          </a:xfrm>
+          <a:prstGeom prst="rect">
+            <a:avLst/>
+          </a:prstGeom>
+          <a:noFill/>
+        </p:spPr>
+        <p:txBody>
+          <a:bodyPr wrap="none" rtlCol="0">
+            <a:spAutoFit/>
+          </a:bodyPr>
+          <a:lstStyle/>
+          <a:p>
+            <a:r>
+              <a:rPr lang="en-US" altLang="ko-KR" sz="1200" dirty="0" smtClean="0"/>
+              <a:t>Test server</a:t>
+            </a:r>
+            <a:endParaRPr lang="ko-KR" altLang="en-US" sz="1200"/>
+          </a:p>
+        </p:txBody>
+      </p:sp>
+      <p:pic>
+        <p:nvPicPr>
+          <p:cNvPr id="44" name="그림 43"/>
+          <p:cNvPicPr>
+            <a:picLocks noChangeAspect="1"/>
+          </p:cNvPicPr>
+          <p:nvPr/>
+        </p:nvPicPr>
+        <p:blipFill>
+          <a:blip r:embed="rId4" cstate="print">
+            <a:extLst>
+              <a:ext uri="{28A0092B-C50C-407E-A947-70E740481C1C}">
+                <a14:useLocalDpi xmlns:a14="http://schemas.microsoft.com/office/drawing/2010/main" val="0"/>
+              </a:ext>
+            </a:extLst>
+          </a:blip>
+          <a:stretch>
+            <a:fillRect/>
+          </a:stretch>
+        </p:blipFill>
+        <p:spPr>
+          <a:xfrm>
+            <a:off x="6225354" y="1788988"/>
+            <a:ext cx="597160" cy="597160"/>
+          </a:xfrm>
+          <a:prstGeom prst="rect">
+            <a:avLst/>
+          </a:prstGeom>
+        </p:spPr>
+      </p:pic>
+      <p:grpSp>
+        <p:nvGrpSpPr>
+          <p:cNvPr id="51" name="그룹 50"/>
+          <p:cNvGrpSpPr/>
+          <p:nvPr/>
+        </p:nvGrpSpPr>
+        <p:grpSpPr>
+          <a:xfrm>
+            <a:off x="1146692" y="2170792"/>
+            <a:ext cx="1046265" cy="1323264"/>
+            <a:chOff x="1058668" y="1960203"/>
+            <a:chExt cx="1046265" cy="1323264"/>
+          </a:xfrm>
+        </p:grpSpPr>
+        <p:pic>
+          <p:nvPicPr>
+            <p:cNvPr id="46" name="그림 45"/>
+            <p:cNvPicPr>
+              <a:picLocks noChangeAspect="1"/>
+            </p:cNvPicPr>
+            <p:nvPr/>
+          </p:nvPicPr>
+          <p:blipFill>
+            <a:blip r:embed="rId5" cstate="print">
+              <a:extLst>
+                <a:ext uri="{28A0092B-C50C-407E-A947-70E740481C1C}">
+                  <a14:useLocalDpi xmlns:a14="http://schemas.microsoft.com/office/drawing/2010/main" val="0"/>
+                </a:ext>
+              </a:extLst>
+            </a:blip>
+            <a:stretch>
+              <a:fillRect/>
+            </a:stretch>
+          </p:blipFill>
+          <p:spPr>
+            <a:xfrm>
+              <a:off x="1058668" y="1960203"/>
+              <a:ext cx="1046265" cy="1046265"/>
+            </a:xfrm>
+            <a:prstGeom prst="rect">
+              <a:avLst/>
+            </a:prstGeom>
+          </p:spPr>
+        </p:pic>
+        <p:sp>
+          <p:nvSpPr>
+            <p:cNvPr id="49" name="TextBox 48"/>
+            <p:cNvSpPr txBox="1"/>
+            <p:nvPr/>
+          </p:nvSpPr>
+          <p:spPr>
+            <a:xfrm>
+              <a:off x="1210544" y="3006468"/>
+              <a:ext cx="742511" cy="276999"/>
+            </a:xfrm>
+            <a:prstGeom prst="rect">
+              <a:avLst/>
+            </a:prstGeom>
+            <a:noFill/>
+          </p:spPr>
+          <p:txBody>
+            <a:bodyPr wrap="none" rtlCol="0">
+              <a:spAutoFit/>
+            </a:bodyPr>
+            <a:lstStyle/>
+            <a:p>
+              <a:r>
+                <a:rPr lang="en-US" altLang="ko-KR" sz="1200" dirty="0" smtClean="0"/>
+                <a:t>GITHUB</a:t>
+              </a:r>
+              <a:endParaRPr lang="ko-KR" altLang="en-US" sz="1200"/>
+            </a:p>
+          </p:txBody>
+        </p:sp>
+      </p:grpSp>
+      <p:cxnSp>
+        <p:nvCxnSpPr>
+          <p:cNvPr id="63" name="직선 화살표 연결선 62"/>
+          <p:cNvCxnSpPr>
+            <a:endCxn id="44" idx="1"/>
+          </p:cNvCxnSpPr>
+          <p:nvPr/>
+        </p:nvCxnSpPr>
+        <p:spPr>
+          <a:xfrm flipV="1">
+            <a:off x="3766714" y="2087568"/>
+            <a:ext cx="2458640" cy="877813"/>
+          </a:xfrm>
+          <a:prstGeom prst="straightConnector1">
+            <a:avLst/>
+          </a:prstGeom>
+          <a:ln w="28575">
+            <a:solidFill>
+              <a:schemeClr val="tx1"/>
+            </a:solidFill>
+            <a:headEnd type="triangle" w="med" len="med"/>
+            <a:tailEnd type="triangle" w="med" len="med"/>
+          </a:ln>
+        </p:spPr>
+        <p:style>
+          <a:lnRef idx="1">
+            <a:schemeClr val="accent1"/>
+          </a:lnRef>
+          <a:fillRef idx="0">
+            <a:schemeClr val="accent1"/>
+          </a:fillRef>
+          <a:effectRef idx="0">
+            <a:schemeClr val="accent1"/>
+          </a:effectRef>
+          <a:fontRef idx="minor">
+            <a:schemeClr val="tx1"/>
+          </a:fontRef>
+        </p:style>
+      </p:cxnSp>
+      <p:sp>
+        <p:nvSpPr>
+          <p:cNvPr id="66" name="TextBox 65"/>
+          <p:cNvSpPr txBox="1"/>
+          <p:nvPr/>
+        </p:nvSpPr>
+        <p:spPr>
+          <a:xfrm>
+            <a:off x="2096315" y="724951"/>
+            <a:ext cx="1632720" cy="369332"/>
+          </a:xfrm>
+          <a:prstGeom prst="rect">
+            <a:avLst/>
+          </a:prstGeom>
+          <a:noFill/>
+        </p:spPr>
+        <p:txBody>
+          <a:bodyPr wrap="square" rtlCol="0">
+            <a:spAutoFit/>
+          </a:bodyPr>
+          <a:lstStyle/>
+          <a:p>
+            <a:r>
+              <a:rPr lang="en-US" altLang="ko-KR" dirty="0" smtClean="0"/>
+              <a:t>Internet</a:t>
+            </a:r>
+            <a:endParaRPr lang="ko-KR" altLang="en-US"/>
+          </a:p>
+        </p:txBody>
+      </p:sp>
+      <p:sp>
+        <p:nvSpPr>
+          <p:cNvPr id="67" name="TextBox 66"/>
+          <p:cNvSpPr txBox="1"/>
+          <p:nvPr/>
+        </p:nvSpPr>
+        <p:spPr>
+          <a:xfrm>
+            <a:off x="5707574" y="917169"/>
+            <a:ext cx="1632720" cy="369332"/>
+          </a:xfrm>
+          <a:prstGeom prst="rect">
+            <a:avLst/>
+          </a:prstGeom>
+          <a:noFill/>
+        </p:spPr>
+        <p:txBody>
+          <a:bodyPr wrap="square" rtlCol="0">
+            <a:spAutoFit/>
+          </a:bodyPr>
+          <a:lstStyle/>
+          <a:p>
+            <a:pPr algn="ctr"/>
+            <a:r>
+              <a:rPr lang="en-US" altLang="ko-KR" dirty="0" smtClean="0"/>
+              <a:t>Intranet</a:t>
+            </a:r>
+            <a:endParaRPr lang="ko-KR" altLang="en-US"/>
+          </a:p>
+        </p:txBody>
+      </p:sp>
+      <p:pic>
+        <p:nvPicPr>
+          <p:cNvPr id="2" name="그림 1"/>
+          <p:cNvPicPr>
+            <a:picLocks noChangeAspect="1"/>
+          </p:cNvPicPr>
+          <p:nvPr/>
+        </p:nvPicPr>
+        <p:blipFill>
+          <a:blip r:embed="rId6" cstate="print">
+            <a:extLst>
+              <a:ext uri="{28A0092B-C50C-407E-A947-70E740481C1C}">
+                <a14:useLocalDpi xmlns:a14="http://schemas.microsoft.com/office/drawing/2010/main" val="0"/>
+              </a:ext>
+            </a:extLst>
+          </a:blip>
+          <a:stretch>
+            <a:fillRect/>
+          </a:stretch>
+        </p:blipFill>
+        <p:spPr>
+          <a:xfrm>
+            <a:off x="2008611" y="2064094"/>
+            <a:ext cx="452917" cy="452917"/>
+          </a:xfrm>
+          <a:prstGeom prst="rect">
+            <a:avLst/>
+          </a:prstGeom>
+        </p:spPr>
+      </p:pic>
+      <p:pic>
+        <p:nvPicPr>
+          <p:cNvPr id="28" name="그림 27"/>
+          <p:cNvPicPr>
+            <a:picLocks noChangeAspect="1"/>
+          </p:cNvPicPr>
+          <p:nvPr/>
+        </p:nvPicPr>
+        <p:blipFill>
+          <a:blip r:embed="rId6" cstate="print">
+            <a:extLst>
+              <a:ext uri="{28A0092B-C50C-407E-A947-70E740481C1C}">
+                <a14:useLocalDpi xmlns:a14="http://schemas.microsoft.com/office/drawing/2010/main" val="0"/>
+              </a:ext>
+            </a:extLst>
+          </a:blip>
+          <a:stretch>
+            <a:fillRect/>
+          </a:stretch>
+        </p:blipFill>
+        <p:spPr>
+          <a:xfrm>
+            <a:off x="3766714" y="2496586"/>
+            <a:ext cx="452917" cy="452917"/>
+          </a:xfrm>
+          <a:prstGeom prst="rect">
+            <a:avLst/>
+          </a:prstGeom>
+        </p:spPr>
+      </p:pic>
+      <p:sp>
+        <p:nvSpPr>
+          <p:cNvPr id="27" name="TextBox 26"/>
+          <p:cNvSpPr txBox="1"/>
+          <p:nvPr/>
+        </p:nvSpPr>
+        <p:spPr>
+          <a:xfrm>
+            <a:off x="2882784" y="3243943"/>
+            <a:ext cx="1720664" cy="276999"/>
+          </a:xfrm>
+          <a:prstGeom prst="rect">
+            <a:avLst/>
+          </a:prstGeom>
+          <a:noFill/>
+        </p:spPr>
+        <p:txBody>
+          <a:bodyPr wrap="none" rtlCol="0">
+            <a:spAutoFit/>
+          </a:bodyPr>
+          <a:lstStyle/>
+          <a:p>
+            <a:r>
+              <a:rPr lang="en-US" altLang="ko-KR" sz="1200" dirty="0" smtClean="0"/>
+              <a:t>Source &amp; build server</a:t>
+            </a:r>
+            <a:endParaRPr lang="ko-KR" altLang="en-US" sz="1200"/>
+          </a:p>
+        </p:txBody>
+      </p:sp>
+    </p:spTree>
+    <p:extLst>
+      <p:ext uri="{BB962C8B-B14F-4D97-AF65-F5344CB8AC3E}">
+        <p14:creationId xmlns:p14="http://schemas.microsoft.com/office/powerpoint/2010/main" val="2796458733"/>
+      </p:ext>
+    </p:extLst>
+  </p:cSld>
+  <p:clrMapOvr>
+    <a:masterClrMapping/>
+  </p:clrMapOvr>
+  <p:timing>
+    <p:tnLst>
+      <p:par>
+        <p:cTn id="1" dur="indefinite" restart="never" nodeType="tmRoot"/>
+      </p:par>
+    </p:tnLst>
+  </p:timing>
 </p:sld>
 </file>
 
